--- a/Development/Documents/ZionEngine.pptx
+++ b/Development/Documents/ZionEngine.pptx
@@ -14,7 +14,9 @@
     <p:sldId id="262" r:id="rId8"/>
     <p:sldId id="265" r:id="rId9"/>
     <p:sldId id="264" r:id="rId10"/>
-    <p:sldId id="263" r:id="rId11"/>
+    <p:sldId id="266" r:id="rId11"/>
+    <p:sldId id="267" r:id="rId12"/>
+    <p:sldId id="263" r:id="rId13"/>
   </p:sldIdLst>
   <p:sldSz cx="12192000" cy="6858000"/>
   <p:notesSz cx="6858000" cy="9144000"/>
@@ -6208,6 +6210,831 @@
           <a:p>
             <a:r>
               <a:rPr lang="en-US" altLang="zh-CN" dirty="0" smtClean="0"/>
+              <a:t>DDL </a:t>
+            </a:r>
+            <a:r>
+              <a:rPr lang="zh-CN" altLang="en-US" dirty="0" smtClean="0"/>
+              <a:t>语法 </a:t>
+            </a:r>
+            <a:r>
+              <a:rPr lang="en-US" altLang="zh-CN" dirty="0" smtClean="0"/>
+              <a:t>– </a:t>
+            </a:r>
+            <a:r>
+              <a:rPr lang="zh-CN" altLang="en-US" dirty="0" smtClean="0"/>
+              <a:t>定义结构</a:t>
+            </a:r>
+            <a:endParaRPr lang="zh-CN" altLang="en-US" dirty="0"/>
+          </a:p>
+        </p:txBody>
+      </p:sp>
+      <p:sp>
+        <p:nvSpPr>
+          <p:cNvPr id="4" name="文本框 3"/>
+          <p:cNvSpPr txBox="1"/>
+          <p:nvPr/>
+        </p:nvSpPr>
+        <p:spPr>
+          <a:xfrm>
+            <a:off x="646111" y="1716509"/>
+            <a:ext cx="5181227" cy="3416320"/>
+          </a:xfrm>
+          <a:prstGeom prst="rect">
+            <a:avLst/>
+          </a:prstGeom>
+          <a:noFill/>
+        </p:spPr>
+        <p:txBody>
+          <a:bodyPr wrap="none" rtlCol="0">
+            <a:spAutoFit/>
+          </a:bodyPr>
+          <a:lstStyle/>
+          <a:p>
+            <a:r>
+              <a:rPr lang="en-US" altLang="zh-CN" dirty="0" smtClean="0"/>
+              <a:t>// </a:t>
+            </a:r>
+            <a:r>
+              <a:rPr lang="zh-CN" altLang="en-US" dirty="0" smtClean="0"/>
+              <a:t>定义常量</a:t>
+            </a:r>
+            <a:endParaRPr lang="en-US" altLang="zh-CN" dirty="0" smtClean="0"/>
+          </a:p>
+          <a:p>
+            <a:r>
+              <a:rPr lang="en-US" altLang="zh-CN" dirty="0" err="1" smtClean="0"/>
+              <a:t>const</a:t>
+            </a:r>
+            <a:r>
+              <a:rPr lang="en-US" altLang="zh-CN" dirty="0" smtClean="0"/>
+              <a:t> _U32 AVATAR_NAME_LEN;</a:t>
+            </a:r>
+          </a:p>
+          <a:p>
+            <a:r>
+              <a:rPr lang="en-US" altLang="zh-CN" dirty="0" err="1" smtClean="0"/>
+              <a:t>const</a:t>
+            </a:r>
+            <a:r>
+              <a:rPr lang="en-US" altLang="zh-CN" dirty="0" smtClean="0"/>
+              <a:t> </a:t>
+            </a:r>
+            <a:r>
+              <a:rPr lang="en-US" altLang="zh-CN" dirty="0"/>
+              <a:t>_U32 AVATAR_TYPE_BOY = 0;</a:t>
+            </a:r>
+          </a:p>
+          <a:p>
+            <a:r>
+              <a:rPr lang="en-US" altLang="zh-CN" dirty="0" err="1"/>
+              <a:t>const</a:t>
+            </a:r>
+            <a:r>
+              <a:rPr lang="en-US" altLang="zh-CN" dirty="0"/>
+              <a:t> _U32 </a:t>
+            </a:r>
+            <a:r>
+              <a:rPr lang="en-US" altLang="zh-CN" dirty="0" smtClean="0"/>
+              <a:t>AVATAR_TYPE_GIRL </a:t>
+            </a:r>
+            <a:r>
+              <a:rPr lang="en-US" altLang="zh-CN" dirty="0"/>
+              <a:t>= </a:t>
+            </a:r>
+            <a:r>
+              <a:rPr lang="en-US" altLang="zh-CN" dirty="0" smtClean="0"/>
+              <a:t>1;</a:t>
+            </a:r>
+            <a:endParaRPr lang="en-US" altLang="zh-CN" dirty="0"/>
+          </a:p>
+          <a:p>
+            <a:endParaRPr lang="en-US" altLang="zh-CN" dirty="0" smtClean="0"/>
+          </a:p>
+          <a:p>
+            <a:r>
+              <a:rPr lang="en-US" altLang="zh-CN" dirty="0" err="1" smtClean="0"/>
+              <a:t>struct</a:t>
+            </a:r>
+            <a:r>
+              <a:rPr lang="en-US" altLang="zh-CN" dirty="0" smtClean="0"/>
+              <a:t> MY_AVATAR_DATA : A_LIVE_DATA</a:t>
+            </a:r>
+          </a:p>
+          <a:p>
+            <a:r>
+              <a:rPr lang="en-US" altLang="zh-CN" dirty="0" smtClean="0"/>
+              <a:t>{</a:t>
+            </a:r>
+          </a:p>
+          <a:p>
+            <a:r>
+              <a:rPr lang="en-US" altLang="zh-CN" dirty="0"/>
+              <a:t> </a:t>
+            </a:r>
+            <a:r>
+              <a:rPr lang="en-US" altLang="zh-CN" dirty="0" smtClean="0"/>
+              <a:t> _U32 </a:t>
+            </a:r>
+            <a:r>
+              <a:rPr lang="en-US" altLang="zh-CN" dirty="0" err="1" smtClean="0"/>
+              <a:t>avatar_id</a:t>
+            </a:r>
+            <a:r>
+              <a:rPr lang="en-US" altLang="zh-CN" dirty="0" smtClean="0"/>
+              <a:t>;</a:t>
+            </a:r>
+          </a:p>
+          <a:p>
+            <a:r>
+              <a:rPr lang="en-US" altLang="zh-CN" dirty="0"/>
+              <a:t> </a:t>
+            </a:r>
+            <a:r>
+              <a:rPr lang="en-US" altLang="zh-CN" dirty="0" smtClean="0"/>
+              <a:t> string&lt;</a:t>
+            </a:r>
+            <a:r>
+              <a:rPr lang="en-US" altLang="zh-CN" dirty="0"/>
+              <a:t> AVATAR_NAME_LEN </a:t>
+            </a:r>
+            <a:r>
+              <a:rPr lang="en-US" altLang="zh-CN" dirty="0" smtClean="0"/>
+              <a:t>&gt; </a:t>
+            </a:r>
+            <a:r>
+              <a:rPr lang="en-US" altLang="zh-CN" dirty="0" err="1" smtClean="0"/>
+              <a:t>avatar_name</a:t>
+            </a:r>
+            <a:r>
+              <a:rPr lang="en-US" altLang="zh-CN" dirty="0" smtClean="0"/>
+              <a:t>;</a:t>
+            </a:r>
+          </a:p>
+          <a:p>
+            <a:r>
+              <a:rPr lang="en-US" altLang="zh-CN" dirty="0" smtClean="0"/>
+              <a:t>  _U32 </a:t>
+            </a:r>
+            <a:r>
+              <a:rPr lang="en-US" altLang="zh-CN" dirty="0" err="1" smtClean="0"/>
+              <a:t>avatar_type</a:t>
+            </a:r>
+            <a:r>
+              <a:rPr lang="en-US" altLang="zh-CN" dirty="0" smtClean="0"/>
+              <a:t>;</a:t>
+            </a:r>
+          </a:p>
+          <a:p>
+            <a:r>
+              <a:rPr lang="en-US" altLang="zh-CN" dirty="0"/>
+              <a:t> </a:t>
+            </a:r>
+            <a:r>
+              <a:rPr lang="en-US" altLang="zh-CN" dirty="0" smtClean="0"/>
+              <a:t> _U32 level;</a:t>
+            </a:r>
+            <a:br>
+              <a:rPr lang="en-US" altLang="zh-CN" dirty="0" smtClean="0"/>
+            </a:br>
+            <a:r>
+              <a:rPr lang="en-US" altLang="zh-CN" dirty="0" smtClean="0"/>
+              <a:t>};</a:t>
+            </a:r>
+            <a:endParaRPr lang="zh-CN" altLang="en-US" dirty="0"/>
+          </a:p>
+        </p:txBody>
+      </p:sp>
+      <p:sp>
+        <p:nvSpPr>
+          <p:cNvPr id="5" name="文本框 4"/>
+          <p:cNvSpPr txBox="1"/>
+          <p:nvPr/>
+        </p:nvSpPr>
+        <p:spPr>
+          <a:xfrm>
+            <a:off x="6096001" y="1716509"/>
+            <a:ext cx="5240537" cy="3693319"/>
+          </a:xfrm>
+          <a:prstGeom prst="rect">
+            <a:avLst/>
+          </a:prstGeom>
+          <a:noFill/>
+        </p:spPr>
+        <p:txBody>
+          <a:bodyPr wrap="none" rtlCol="0">
+            <a:spAutoFit/>
+          </a:bodyPr>
+          <a:lstStyle/>
+          <a:p>
+            <a:r>
+              <a:rPr lang="en-US" altLang="zh-CN" dirty="0" err="1" smtClean="0"/>
+              <a:t>struct</a:t>
+            </a:r>
+            <a:r>
+              <a:rPr lang="en-US" altLang="zh-CN" dirty="0" smtClean="0"/>
+              <a:t> MY_SKILL_CONFIG</a:t>
+            </a:r>
+          </a:p>
+          <a:p>
+            <a:r>
+              <a:rPr lang="en-US" altLang="zh-CN" dirty="0" smtClean="0"/>
+              <a:t>{</a:t>
+            </a:r>
+          </a:p>
+          <a:p>
+            <a:r>
+              <a:rPr lang="en-US" altLang="zh-CN" dirty="0"/>
+              <a:t> </a:t>
+            </a:r>
+            <a:r>
+              <a:rPr lang="en-US" altLang="zh-CN" dirty="0" smtClean="0"/>
+              <a:t> _U32 </a:t>
+            </a:r>
+            <a:r>
+              <a:rPr lang="en-US" altLang="zh-CN" dirty="0" err="1" smtClean="0"/>
+              <a:t>skill_id</a:t>
+            </a:r>
+            <a:r>
+              <a:rPr lang="en-US" altLang="zh-CN" dirty="0" smtClean="0"/>
+              <a:t>;</a:t>
+            </a:r>
+          </a:p>
+          <a:p>
+            <a:r>
+              <a:rPr lang="en-US" altLang="zh-CN" dirty="0"/>
+              <a:t> </a:t>
+            </a:r>
+            <a:r>
+              <a:rPr lang="en-US" altLang="zh-CN" dirty="0" smtClean="0"/>
+              <a:t> _U32 </a:t>
+            </a:r>
+            <a:r>
+              <a:rPr lang="en-US" altLang="zh-CN" dirty="0" err="1" smtClean="0"/>
+              <a:t>skill_mode</a:t>
+            </a:r>
+            <a:r>
+              <a:rPr lang="en-US" altLang="zh-CN" dirty="0" smtClean="0"/>
+              <a:t>;</a:t>
+            </a:r>
+          </a:p>
+          <a:p>
+            <a:r>
+              <a:rPr lang="en-US" altLang="zh-CN" dirty="0"/>
+              <a:t> </a:t>
+            </a:r>
+            <a:r>
+              <a:rPr lang="en-US" altLang="zh-CN" dirty="0" smtClean="0"/>
+              <a:t> _U32 </a:t>
+            </a:r>
+            <a:r>
+              <a:rPr lang="en-US" altLang="zh-CN" dirty="0" err="1" smtClean="0"/>
+              <a:t>skill_power</a:t>
+            </a:r>
+            <a:r>
+              <a:rPr lang="en-US" altLang="zh-CN" dirty="0" smtClean="0"/>
+              <a:t>;</a:t>
+            </a:r>
+            <a:br>
+              <a:rPr lang="en-US" altLang="zh-CN" dirty="0" smtClean="0"/>
+            </a:br>
+            <a:r>
+              <a:rPr lang="en-US" altLang="zh-CN" dirty="0" smtClean="0"/>
+              <a:t>};</a:t>
+            </a:r>
+          </a:p>
+          <a:p>
+            <a:endParaRPr lang="en-US" altLang="zh-CN" dirty="0" smtClean="0"/>
+          </a:p>
+          <a:p>
+            <a:r>
+              <a:rPr lang="en-US" altLang="zh-CN" dirty="0" err="1" smtClean="0"/>
+              <a:t>struct</a:t>
+            </a:r>
+            <a:r>
+              <a:rPr lang="en-US" altLang="zh-CN" dirty="0" smtClean="0"/>
+              <a:t> MY_LEVEL_CONFIG : A_CONTENT_DATA</a:t>
+            </a:r>
+          </a:p>
+          <a:p>
+            <a:r>
+              <a:rPr lang="en-US" altLang="zh-CN" dirty="0" smtClean="0"/>
+              <a:t>{</a:t>
+            </a:r>
+          </a:p>
+          <a:p>
+            <a:r>
+              <a:rPr lang="en-US" altLang="zh-CN" dirty="0"/>
+              <a:t> </a:t>
+            </a:r>
+            <a:r>
+              <a:rPr lang="en-US" altLang="zh-CN" dirty="0" smtClean="0"/>
+              <a:t> _U32 level;</a:t>
+            </a:r>
+          </a:p>
+          <a:p>
+            <a:r>
+              <a:rPr lang="en-US" altLang="zh-CN" dirty="0"/>
+              <a:t> </a:t>
+            </a:r>
+            <a:r>
+              <a:rPr lang="en-US" altLang="zh-CN" dirty="0" smtClean="0"/>
+              <a:t> _U32 </a:t>
+            </a:r>
+            <a:r>
+              <a:rPr lang="en-US" altLang="zh-CN" dirty="0" err="1" smtClean="0"/>
+              <a:t>health_point</a:t>
+            </a:r>
+            <a:r>
+              <a:rPr lang="en-US" altLang="zh-CN" dirty="0" smtClean="0"/>
+              <a:t>;</a:t>
+            </a:r>
+          </a:p>
+          <a:p>
+            <a:r>
+              <a:rPr lang="en-US" altLang="zh-CN" dirty="0" smtClean="0"/>
+              <a:t>  array&lt;MY_SKILL_CONFIG&gt; skills;</a:t>
+            </a:r>
+            <a:br>
+              <a:rPr lang="en-US" altLang="zh-CN" dirty="0" smtClean="0"/>
+            </a:br>
+            <a:r>
+              <a:rPr lang="en-US" altLang="zh-CN" dirty="0" smtClean="0"/>
+              <a:t>};</a:t>
+            </a:r>
+            <a:endParaRPr lang="zh-CN" altLang="en-US" dirty="0"/>
+          </a:p>
+        </p:txBody>
+      </p:sp>
+      <p:sp>
+        <p:nvSpPr>
+          <p:cNvPr id="8" name="文本框 7"/>
+          <p:cNvSpPr txBox="1"/>
+          <p:nvPr/>
+        </p:nvSpPr>
+        <p:spPr>
+          <a:xfrm>
+            <a:off x="646111" y="5582653"/>
+            <a:ext cx="8797601" cy="646331"/>
+          </a:xfrm>
+          <a:prstGeom prst="rect">
+            <a:avLst/>
+          </a:prstGeom>
+          <a:noFill/>
+        </p:spPr>
+        <p:txBody>
+          <a:bodyPr wrap="none" rtlCol="0">
+            <a:spAutoFit/>
+          </a:bodyPr>
+          <a:lstStyle/>
+          <a:p>
+            <a:pPr marL="285750" indent="-285750">
+              <a:buFont typeface="Arial" panose="020B0604020202020204" pitchFamily="34" charset="0"/>
+              <a:buChar char="•"/>
+            </a:pPr>
+            <a:r>
+              <a:rPr lang="zh-CN" altLang="en-US" dirty="0" smtClean="0"/>
+              <a:t>基础数据类型 </a:t>
+            </a:r>
+            <a:r>
+              <a:rPr lang="en-US" altLang="zh-CN" dirty="0" smtClean="0"/>
+              <a:t>_U8 _U16 _U32 _U64 _S8 _S16 _S32 _S64 _F32 _F63 String A_UUID</a:t>
+            </a:r>
+          </a:p>
+          <a:p>
+            <a:pPr marL="285750" indent="-285750">
+              <a:buFont typeface="Arial" panose="020B0604020202020204" pitchFamily="34" charset="0"/>
+              <a:buChar char="•"/>
+            </a:pPr>
+            <a:r>
+              <a:rPr lang="zh-CN" altLang="en-US" dirty="0" smtClean="0"/>
+              <a:t>还支持 </a:t>
+            </a:r>
+            <a:r>
+              <a:rPr lang="en-US" altLang="zh-CN" dirty="0" smtClean="0"/>
+              <a:t>Array </a:t>
+            </a:r>
+            <a:r>
+              <a:rPr lang="en-US" altLang="zh-CN" dirty="0" err="1" smtClean="0"/>
+              <a:t>Struct</a:t>
+            </a:r>
+            <a:endParaRPr lang="zh-CN" altLang="en-US" dirty="0"/>
+          </a:p>
+        </p:txBody>
+      </p:sp>
+    </p:spTree>
+    <p:extLst>
+      <p:ext uri="{BB962C8B-B14F-4D97-AF65-F5344CB8AC3E}">
+        <p14:creationId xmlns:p14="http://schemas.microsoft.com/office/powerpoint/2010/main" val="3898676444"/>
+      </p:ext>
+    </p:extLst>
+  </p:cSld>
+  <p:clrMapOvr>
+    <a:masterClrMapping/>
+  </p:clrMapOvr>
+  <p:timing>
+    <p:tnLst>
+      <p:par>
+        <p:cTn id="1" dur="indefinite" restart="never" nodeType="tmRoot"/>
+      </p:par>
+    </p:tnLst>
+  </p:timing>
+</p:sld>
+</file>
+
+<file path=ppt/slides/slide11.xml><?xml version="1.0" encoding="utf-8"?>
+<p:sld xmlns:a="http://schemas.openxmlformats.org/drawingml/2006/main" xmlns:r="http://schemas.openxmlformats.org/officeDocument/2006/relationships" xmlns:p="http://schemas.openxmlformats.org/presentationml/2006/main">
+  <p:cSld>
+    <p:spTree>
+      <p:nvGrpSpPr>
+        <p:cNvPr id="1" name=""/>
+        <p:cNvGrpSpPr/>
+        <p:nvPr/>
+      </p:nvGrpSpPr>
+      <p:grpSpPr>
+        <a:xfrm>
+          <a:off x="0" y="0"/>
+          <a:ext cx="0" cy="0"/>
+          <a:chOff x="0" y="0"/>
+          <a:chExt cx="0" cy="0"/>
+        </a:xfrm>
+      </p:grpSpPr>
+      <p:sp>
+        <p:nvSpPr>
+          <p:cNvPr id="2" name="标题 1"/>
+          <p:cNvSpPr>
+            <a:spLocks noGrp="1"/>
+          </p:cNvSpPr>
+          <p:nvPr>
+            <p:ph type="title"/>
+          </p:nvPr>
+        </p:nvSpPr>
+        <p:spPr/>
+        <p:txBody>
+          <a:bodyPr/>
+          <a:lstStyle/>
+          <a:p>
+            <a:r>
+              <a:rPr lang="en-US" altLang="zh-CN" dirty="0" smtClean="0"/>
+              <a:t>DDL </a:t>
+            </a:r>
+            <a:r>
+              <a:rPr lang="zh-CN" altLang="en-US" dirty="0" smtClean="0"/>
+              <a:t>语法 </a:t>
+            </a:r>
+            <a:r>
+              <a:rPr lang="en-US" altLang="zh-CN" dirty="0" smtClean="0"/>
+              <a:t>– </a:t>
+            </a:r>
+            <a:r>
+              <a:rPr lang="zh-CN" altLang="en-US" dirty="0" smtClean="0"/>
+              <a:t>定义接口</a:t>
+            </a:r>
+            <a:endParaRPr lang="zh-CN" altLang="en-US" dirty="0"/>
+          </a:p>
+        </p:txBody>
+      </p:sp>
+      <p:sp>
+        <p:nvSpPr>
+          <p:cNvPr id="5" name="文本框 4"/>
+          <p:cNvSpPr txBox="1"/>
+          <p:nvPr/>
+        </p:nvSpPr>
+        <p:spPr>
+          <a:xfrm>
+            <a:off x="646111" y="1716509"/>
+            <a:ext cx="5126724" cy="2862322"/>
+          </a:xfrm>
+          <a:prstGeom prst="rect">
+            <a:avLst/>
+          </a:prstGeom>
+          <a:noFill/>
+        </p:spPr>
+        <p:txBody>
+          <a:bodyPr wrap="none" rtlCol="0">
+            <a:spAutoFit/>
+          </a:bodyPr>
+          <a:lstStyle/>
+          <a:p>
+            <a:r>
+              <a:rPr lang="en-US" altLang="zh-CN" dirty="0" smtClean="0"/>
+              <a:t>class CARDGAME_C2S</a:t>
+            </a:r>
+          </a:p>
+          <a:p>
+            <a:r>
+              <a:rPr lang="en-US" altLang="zh-CN" dirty="0" smtClean="0"/>
+              <a:t>{</a:t>
+            </a:r>
+          </a:p>
+          <a:p>
+            <a:r>
+              <a:rPr lang="en-US" altLang="zh-CN" dirty="0"/>
+              <a:t> </a:t>
+            </a:r>
+            <a:r>
+              <a:rPr lang="en-US" altLang="zh-CN" dirty="0" smtClean="0"/>
+              <a:t> </a:t>
+            </a:r>
+            <a:r>
+              <a:rPr lang="en-US" altLang="zh-CN" dirty="0" err="1" smtClean="0"/>
+              <a:t>GetAvatarList</a:t>
+            </a:r>
+            <a:r>
+              <a:rPr lang="en-US" altLang="zh-CN" dirty="0" smtClean="0"/>
+              <a:t>();</a:t>
+            </a:r>
+          </a:p>
+          <a:p>
+            <a:r>
+              <a:rPr lang="en-US" altLang="zh-CN" dirty="0"/>
+              <a:t> </a:t>
+            </a:r>
+            <a:r>
+              <a:rPr lang="en-US" altLang="zh-CN" dirty="0" smtClean="0"/>
+              <a:t> </a:t>
+            </a:r>
+            <a:r>
+              <a:rPr lang="en-US" altLang="zh-CN" dirty="0" err="1" smtClean="0"/>
+              <a:t>EnterGame</a:t>
+            </a:r>
+            <a:r>
+              <a:rPr lang="en-US" altLang="zh-CN" dirty="0" smtClean="0"/>
+              <a:t>(_U32 </a:t>
+            </a:r>
+            <a:r>
+              <a:rPr lang="en-US" altLang="zh-CN" dirty="0" err="1" smtClean="0"/>
+              <a:t>avatar_id</a:t>
+            </a:r>
+            <a:r>
+              <a:rPr lang="en-US" altLang="zh-CN" dirty="0" smtClean="0"/>
+              <a:t>);</a:t>
+            </a:r>
+          </a:p>
+          <a:p>
+            <a:r>
+              <a:rPr lang="en-US" altLang="zh-CN" dirty="0"/>
+              <a:t> </a:t>
+            </a:r>
+            <a:r>
+              <a:rPr lang="en-US" altLang="zh-CN" dirty="0" smtClean="0"/>
+              <a:t> </a:t>
+            </a:r>
+            <a:r>
+              <a:rPr lang="en-US" altLang="zh-CN" dirty="0" err="1" smtClean="0"/>
+              <a:t>DoAction</a:t>
+            </a:r>
+            <a:r>
+              <a:rPr lang="en-US" altLang="zh-CN" dirty="0" smtClean="0"/>
+              <a:t>(_U32 </a:t>
+            </a:r>
+            <a:r>
+              <a:rPr lang="en-US" altLang="zh-CN" dirty="0" err="1" smtClean="0"/>
+              <a:t>action_id</a:t>
+            </a:r>
+            <a:r>
+              <a:rPr lang="en-US" altLang="zh-CN" dirty="0" smtClean="0"/>
+              <a:t>);</a:t>
+            </a:r>
+          </a:p>
+          <a:p>
+            <a:r>
+              <a:rPr lang="en-US" altLang="zh-CN" dirty="0" smtClean="0"/>
+              <a:t>  </a:t>
+            </a:r>
+            <a:r>
+              <a:rPr lang="en-US" altLang="zh-CN" dirty="0" err="1" smtClean="0"/>
+              <a:t>LeaveGame</a:t>
+            </a:r>
+            <a:r>
+              <a:rPr lang="en-US" altLang="zh-CN" dirty="0" smtClean="0"/>
+              <a:t>();</a:t>
+            </a:r>
+            <a:br>
+              <a:rPr lang="en-US" altLang="zh-CN" dirty="0" smtClean="0"/>
+            </a:br>
+            <a:r>
+              <a:rPr lang="en-US" altLang="zh-CN" dirty="0" smtClean="0"/>
+              <a:t>};</a:t>
+            </a:r>
+          </a:p>
+          <a:p>
+            <a:r>
+              <a:rPr lang="en-US" altLang="zh-CN" dirty="0" smtClean="0"/>
+              <a:t>task[GEN_CLASS_STUB(CARDGAME_C2S</a:t>
+            </a:r>
+            <a:r>
+              <a:rPr lang="en-US" altLang="zh-CN" dirty="0"/>
+              <a:t>)];</a:t>
+            </a:r>
+          </a:p>
+          <a:p>
+            <a:r>
+              <a:rPr lang="en-US" altLang="zh-CN" dirty="0" smtClean="0"/>
+              <a:t>task[GEN_CLASS_PROXY(CARDGAME_C2S</a:t>
+            </a:r>
+            <a:r>
+              <a:rPr lang="en-US" altLang="zh-CN" dirty="0"/>
+              <a:t>)];</a:t>
+            </a:r>
+          </a:p>
+          <a:p>
+            <a:endParaRPr lang="zh-CN" altLang="en-US" dirty="0"/>
+          </a:p>
+        </p:txBody>
+      </p:sp>
+      <p:sp>
+        <p:nvSpPr>
+          <p:cNvPr id="6" name="文本框 5"/>
+          <p:cNvSpPr txBox="1"/>
+          <p:nvPr/>
+        </p:nvSpPr>
+        <p:spPr>
+          <a:xfrm>
+            <a:off x="6096001" y="1716509"/>
+            <a:ext cx="5126724" cy="3139321"/>
+          </a:xfrm>
+          <a:prstGeom prst="rect">
+            <a:avLst/>
+          </a:prstGeom>
+          <a:noFill/>
+        </p:spPr>
+        <p:txBody>
+          <a:bodyPr wrap="none" rtlCol="0">
+            <a:spAutoFit/>
+          </a:bodyPr>
+          <a:lstStyle/>
+          <a:p>
+            <a:r>
+              <a:rPr lang="en-US" altLang="zh-CN" dirty="0" smtClean="0"/>
+              <a:t>class CARDGAME_S2C</a:t>
+            </a:r>
+          </a:p>
+          <a:p>
+            <a:r>
+              <a:rPr lang="en-US" altLang="zh-CN" dirty="0" smtClean="0"/>
+              <a:t>{</a:t>
+            </a:r>
+          </a:p>
+          <a:p>
+            <a:r>
+              <a:rPr lang="en-US" altLang="zh-CN" dirty="0"/>
+              <a:t> </a:t>
+            </a:r>
+            <a:r>
+              <a:rPr lang="en-US" altLang="zh-CN" dirty="0" smtClean="0"/>
+              <a:t> </a:t>
+            </a:r>
+            <a:r>
+              <a:rPr lang="en-US" altLang="zh-CN" dirty="0" err="1" smtClean="0"/>
+              <a:t>GetAavatarListResult</a:t>
+            </a:r>
+            <a:r>
+              <a:rPr lang="en-US" altLang="zh-CN" dirty="0" smtClean="0"/>
+              <a:t>(</a:t>
+            </a:r>
+          </a:p>
+          <a:p>
+            <a:r>
+              <a:rPr lang="en-US" altLang="zh-CN" dirty="0"/>
+              <a:t> </a:t>
+            </a:r>
+            <a:r>
+              <a:rPr lang="en-US" altLang="zh-CN" dirty="0" smtClean="0"/>
+              <a:t>   AVATAR_DESC list[count],</a:t>
+            </a:r>
+          </a:p>
+          <a:p>
+            <a:r>
+              <a:rPr lang="en-US" altLang="zh-CN" dirty="0" smtClean="0"/>
+              <a:t>    _U32 </a:t>
+            </a:r>
+            <a:r>
+              <a:rPr lang="en-US" altLang="zh-CN" dirty="0" err="1" smtClean="0"/>
+              <a:t>conut</a:t>
+            </a:r>
+            <a:r>
+              <a:rPr lang="en-US" altLang="zh-CN" dirty="0" smtClean="0"/>
+              <a:t>);</a:t>
+            </a:r>
+          </a:p>
+          <a:p>
+            <a:r>
+              <a:rPr lang="en-US" altLang="zh-CN" dirty="0" smtClean="0"/>
+              <a:t>  </a:t>
+            </a:r>
+            <a:r>
+              <a:rPr lang="en-US" altLang="zh-CN" dirty="0" err="1" smtClean="0"/>
+              <a:t>EnterGameResult</a:t>
+            </a:r>
+            <a:r>
+              <a:rPr lang="en-US" altLang="zh-CN" dirty="0" smtClean="0"/>
+              <a:t>(_U32 err);</a:t>
+            </a:r>
+          </a:p>
+          <a:p>
+            <a:r>
+              <a:rPr lang="en-US" altLang="zh-CN" dirty="0" smtClean="0"/>
+              <a:t>  </a:t>
+            </a:r>
+            <a:r>
+              <a:rPr lang="en-US" altLang="zh-CN" dirty="0" err="1" smtClean="0"/>
+              <a:t>DoActionResult</a:t>
+            </a:r>
+            <a:r>
+              <a:rPr lang="en-US" altLang="zh-CN" dirty="0" smtClean="0"/>
+              <a:t>(_U32 err);</a:t>
+            </a:r>
+          </a:p>
+          <a:p>
+            <a:r>
+              <a:rPr lang="en-US" altLang="zh-CN" dirty="0" smtClean="0"/>
+              <a:t>  </a:t>
+            </a:r>
+            <a:r>
+              <a:rPr lang="en-US" altLang="zh-CN" dirty="0" err="1" smtClean="0"/>
+              <a:t>LeaveGameResult</a:t>
+            </a:r>
+            <a:r>
+              <a:rPr lang="en-US" altLang="zh-CN" dirty="0" smtClean="0"/>
+              <a:t>(_U32 err);</a:t>
+            </a:r>
+          </a:p>
+          <a:p>
+            <a:r>
+              <a:rPr lang="en-US" altLang="zh-CN" dirty="0" smtClean="0"/>
+              <a:t>};</a:t>
+            </a:r>
+          </a:p>
+          <a:p>
+            <a:r>
+              <a:rPr lang="en-US" altLang="zh-CN" dirty="0" smtClean="0"/>
+              <a:t>task[GEN_CLASS_STUB(CARDGAME_S2C)];</a:t>
+            </a:r>
+            <a:endParaRPr lang="en-US" altLang="zh-CN" dirty="0"/>
+          </a:p>
+          <a:p>
+            <a:r>
+              <a:rPr lang="en-US" altLang="zh-CN" dirty="0" smtClean="0"/>
+              <a:t>task[GEN_CLASS_PROXY(CARDGAME_S2C)];</a:t>
+            </a:r>
+            <a:endParaRPr lang="en-US" altLang="zh-CN" dirty="0"/>
+          </a:p>
+        </p:txBody>
+      </p:sp>
+    </p:spTree>
+    <p:extLst>
+      <p:ext uri="{BB962C8B-B14F-4D97-AF65-F5344CB8AC3E}">
+        <p14:creationId xmlns:p14="http://schemas.microsoft.com/office/powerpoint/2010/main" val="2873002379"/>
+      </p:ext>
+    </p:extLst>
+  </p:cSld>
+  <p:clrMapOvr>
+    <a:masterClrMapping/>
+  </p:clrMapOvr>
+  <p:timing>
+    <p:tnLst>
+      <p:par>
+        <p:cTn id="1" dur="indefinite" restart="never" nodeType="tmRoot"/>
+      </p:par>
+    </p:tnLst>
+  </p:timing>
+</p:sld>
+</file>
+
+<file path=ppt/slides/slide12.xml><?xml version="1.0" encoding="utf-8"?>
+<p:sld xmlns:a="http://schemas.openxmlformats.org/drawingml/2006/main" xmlns:r="http://schemas.openxmlformats.org/officeDocument/2006/relationships" xmlns:p="http://schemas.openxmlformats.org/presentationml/2006/main">
+  <p:cSld>
+    <p:spTree>
+      <p:nvGrpSpPr>
+        <p:cNvPr id="1" name=""/>
+        <p:cNvGrpSpPr/>
+        <p:nvPr/>
+      </p:nvGrpSpPr>
+      <p:grpSpPr>
+        <a:xfrm>
+          <a:off x="0" y="0"/>
+          <a:ext cx="0" cy="0"/>
+          <a:chOff x="0" y="0"/>
+          <a:chExt cx="0" cy="0"/>
+        </a:xfrm>
+      </p:grpSpPr>
+      <p:sp>
+        <p:nvSpPr>
+          <p:cNvPr id="2" name="标题 1"/>
+          <p:cNvSpPr>
+            <a:spLocks noGrp="1"/>
+          </p:cNvSpPr>
+          <p:nvPr>
+            <p:ph type="title"/>
+          </p:nvPr>
+        </p:nvSpPr>
+        <p:spPr/>
+        <p:txBody>
+          <a:bodyPr/>
+          <a:lstStyle/>
+          <a:p>
+            <a:r>
+              <a:rPr lang="en-US" altLang="zh-CN" dirty="0" smtClean="0"/>
               <a:t>Q&amp;A</a:t>
             </a:r>
             <a:endParaRPr lang="zh-CN" altLang="en-US" dirty="0"/>
@@ -7005,6 +7832,44 @@
       </p:grpSpPr>
       <p:sp>
         <p:nvSpPr>
+          <p:cNvPr id="3" name="矩形 2"/>
+          <p:cNvSpPr/>
+          <p:nvPr/>
+        </p:nvSpPr>
+        <p:spPr>
+          <a:xfrm>
+            <a:off x="3978442" y="2326105"/>
+            <a:ext cx="4235116" cy="2703096"/>
+          </a:xfrm>
+          <a:prstGeom prst="rect">
+            <a:avLst/>
+          </a:prstGeom>
+        </p:spPr>
+        <p:style>
+          <a:lnRef idx="0">
+            <a:schemeClr val="accent6"/>
+          </a:lnRef>
+          <a:fillRef idx="3">
+            <a:schemeClr val="accent6"/>
+          </a:fillRef>
+          <a:effectRef idx="3">
+            <a:schemeClr val="accent6"/>
+          </a:effectRef>
+          <a:fontRef idx="minor">
+            <a:schemeClr val="lt1"/>
+          </a:fontRef>
+        </p:style>
+        <p:txBody>
+          <a:bodyPr rtlCol="0" anchor="ctr"/>
+          <a:lstStyle/>
+          <a:p>
+            <a:pPr algn="ctr"/>
+            <a:endParaRPr lang="zh-CN" altLang="en-US"/>
+          </a:p>
+        </p:txBody>
+      </p:sp>
+      <p:sp>
+        <p:nvSpPr>
           <p:cNvPr id="2" name="标题 1"/>
           <p:cNvSpPr>
             <a:spLocks noGrp="1"/>
@@ -7236,7 +8101,7 @@
         </p:nvSpPr>
         <p:spPr>
           <a:xfrm>
-            <a:off x="3405936" y="5324691"/>
+            <a:off x="3383078" y="5333035"/>
             <a:ext cx="1205779" cy="646331"/>
           </a:xfrm>
           <a:prstGeom prst="rect">
@@ -7274,7 +8139,7 @@
         </p:nvSpPr>
         <p:spPr>
           <a:xfrm>
-            <a:off x="7601954" y="5324691"/>
+            <a:off x="7579096" y="5333034"/>
             <a:ext cx="1253869" cy="646331"/>
           </a:xfrm>
           <a:prstGeom prst="rect">
@@ -7458,111 +8323,24 @@
       </p:sp>
       <p:sp>
         <p:nvSpPr>
-          <p:cNvPr id="17" name="矩形 16"/>
-          <p:cNvSpPr/>
+          <p:cNvPr id="11" name="文本框 10"/>
+          <p:cNvSpPr txBox="1"/>
           <p:nvPr/>
         </p:nvSpPr>
         <p:spPr>
           <a:xfrm>
-            <a:off x="3963107" y="2006448"/>
-            <a:ext cx="45719" cy="560448"/>
+            <a:off x="5662227" y="2355023"/>
+            <a:ext cx="867545" cy="369332"/>
           </a:xfrm>
           <a:prstGeom prst="rect">
             <a:avLst/>
           </a:prstGeom>
-        </p:spPr>
-        <p:style>
-          <a:lnRef idx="1">
-            <a:schemeClr val="accent6"/>
-          </a:lnRef>
-          <a:fillRef idx="3">
-            <a:schemeClr val="accent6"/>
-          </a:fillRef>
-          <a:effectRef idx="2">
-            <a:schemeClr val="accent6"/>
-          </a:effectRef>
-          <a:fontRef idx="minor">
-            <a:schemeClr val="lt1"/>
-          </a:fontRef>
-        </p:style>
-        <p:txBody>
-          <a:bodyPr rtlCol="0" anchor="ctr"/>
-          <a:lstStyle/>
-          <a:p>
-            <a:pPr algn="ctr"/>
-            <a:endParaRPr lang="zh-CN" altLang="en-US"/>
-          </a:p>
-        </p:txBody>
-      </p:sp>
-      <p:sp>
-        <p:nvSpPr>
-          <p:cNvPr id="18" name="矩形 17"/>
-          <p:cNvSpPr/>
-          <p:nvPr/>
-        </p:nvSpPr>
-        <p:spPr>
-          <a:xfrm>
-            <a:off x="8183170" y="2006448"/>
-            <a:ext cx="45719" cy="560448"/>
-          </a:xfrm>
-          <a:prstGeom prst="rect">
-            <a:avLst/>
-          </a:prstGeom>
-        </p:spPr>
-        <p:style>
-          <a:lnRef idx="1">
-            <a:schemeClr val="accent6"/>
-          </a:lnRef>
-          <a:fillRef idx="3">
-            <a:schemeClr val="accent6"/>
-          </a:fillRef>
-          <a:effectRef idx="2">
-            <a:schemeClr val="accent6"/>
-          </a:effectRef>
-          <a:fontRef idx="minor">
-            <a:schemeClr val="lt1"/>
-          </a:fontRef>
-        </p:style>
-        <p:txBody>
-          <a:bodyPr rtlCol="0" anchor="ctr"/>
-          <a:lstStyle/>
-          <a:p>
-            <a:pPr algn="ctr"/>
-            <a:endParaRPr lang="zh-CN" altLang="en-US"/>
-          </a:p>
-        </p:txBody>
-      </p:sp>
-      <p:sp>
-        <p:nvSpPr>
-          <p:cNvPr id="19" name="左右箭头 18"/>
-          <p:cNvSpPr/>
-          <p:nvPr/>
-        </p:nvSpPr>
-        <p:spPr>
-          <a:xfrm>
-            <a:off x="4081806" y="2006450"/>
-            <a:ext cx="4025246" cy="560446"/>
-          </a:xfrm>
-          <a:prstGeom prst="leftRightArrow">
-            <a:avLst/>
-          </a:prstGeom>
-        </p:spPr>
-        <p:style>
-          <a:lnRef idx="1">
-            <a:schemeClr val="accent6"/>
-          </a:lnRef>
-          <a:fillRef idx="3">
-            <a:schemeClr val="accent6"/>
-          </a:fillRef>
-          <a:effectRef idx="2">
-            <a:schemeClr val="accent6"/>
-          </a:effectRef>
-          <a:fontRef idx="minor">
-            <a:schemeClr val="lt1"/>
-          </a:fontRef>
-        </p:style>
-        <p:txBody>
-          <a:bodyPr rtlCol="0" anchor="ctr"/>
+          <a:noFill/>
+        </p:spPr>
+        <p:txBody>
+          <a:bodyPr wrap="none" rtlCol="0">
+            <a:spAutoFit/>
+          </a:bodyPr>
           <a:lstStyle/>
           <a:p>
             <a:pPr algn="ctr"/>
@@ -7931,6 +8709,44 @@
       </p:grpSpPr>
       <p:sp>
         <p:nvSpPr>
+          <p:cNvPr id="3" name="矩形 2"/>
+          <p:cNvSpPr/>
+          <p:nvPr/>
+        </p:nvSpPr>
+        <p:spPr>
+          <a:xfrm>
+            <a:off x="4006237" y="1747147"/>
+            <a:ext cx="2755510" cy="1725969"/>
+          </a:xfrm>
+          <a:prstGeom prst="rect">
+            <a:avLst/>
+          </a:prstGeom>
+        </p:spPr>
+        <p:style>
+          <a:lnRef idx="1">
+            <a:schemeClr val="accent6"/>
+          </a:lnRef>
+          <a:fillRef idx="3">
+            <a:schemeClr val="accent6"/>
+          </a:fillRef>
+          <a:effectRef idx="2">
+            <a:schemeClr val="accent6"/>
+          </a:effectRef>
+          <a:fontRef idx="minor">
+            <a:schemeClr val="lt1"/>
+          </a:fontRef>
+        </p:style>
+        <p:txBody>
+          <a:bodyPr rtlCol="0" anchor="ctr"/>
+          <a:lstStyle/>
+          <a:p>
+            <a:pPr algn="ctr"/>
+            <a:endParaRPr lang="zh-CN" altLang="en-US"/>
+          </a:p>
+        </p:txBody>
+      </p:sp>
+      <p:sp>
+        <p:nvSpPr>
           <p:cNvPr id="2" name="标题 1"/>
           <p:cNvSpPr>
             <a:spLocks noGrp="1"/>
@@ -7968,8 +8784,8 @@
         </p:nvSpPr>
         <p:spPr>
           <a:xfrm>
-            <a:off x="3820999" y="2724355"/>
-            <a:ext cx="329939" cy="2447135"/>
+            <a:off x="4181173" y="2274372"/>
+            <a:ext cx="329939" cy="2964269"/>
           </a:xfrm>
           <a:prstGeom prst="rect">
             <a:avLst/>
@@ -8006,8 +8822,8 @@
         </p:nvSpPr>
         <p:spPr>
           <a:xfrm>
-            <a:off x="4801388" y="3135302"/>
-            <a:ext cx="2589226" cy="1625241"/>
+            <a:off x="5298904" y="4231862"/>
+            <a:ext cx="1235854" cy="1012622"/>
           </a:xfrm>
           <a:prstGeom prst="rect">
             <a:avLst/>
@@ -8048,8 +8864,8 @@
         </p:nvSpPr>
         <p:spPr>
           <a:xfrm>
-            <a:off x="8041062" y="2724355"/>
-            <a:ext cx="329939" cy="2447135"/>
+            <a:off x="7300496" y="4231863"/>
+            <a:ext cx="329939" cy="1006778"/>
           </a:xfrm>
           <a:prstGeom prst="rect">
             <a:avLst/>
@@ -8080,16 +8896,92 @@
       </p:sp>
       <p:sp>
         <p:nvSpPr>
-          <p:cNvPr id="7" name="矩形 6"/>
+          <p:cNvPr id="9" name="文本框 8"/>
+          <p:cNvSpPr txBox="1"/>
+          <p:nvPr/>
+        </p:nvSpPr>
+        <p:spPr>
+          <a:xfrm>
+            <a:off x="3710653" y="5299517"/>
+            <a:ext cx="1205779" cy="646331"/>
+          </a:xfrm>
+          <a:prstGeom prst="rect">
+            <a:avLst/>
+          </a:prstGeom>
+          <a:noFill/>
+        </p:spPr>
+        <p:txBody>
+          <a:bodyPr wrap="none" rtlCol="0">
+            <a:spAutoFit/>
+          </a:bodyPr>
+          <a:lstStyle/>
+          <a:p>
+            <a:pPr algn="ctr"/>
+            <a:r>
+              <a:rPr lang="en-US" altLang="zh-CN" dirty="0" smtClean="0"/>
+              <a:t>Request</a:t>
+            </a:r>
+          </a:p>
+          <a:p>
+            <a:pPr algn="ctr"/>
+            <a:r>
+              <a:rPr lang="en-US" altLang="zh-CN" dirty="0" smtClean="0"/>
+              <a:t>Interface</a:t>
+            </a:r>
+            <a:endParaRPr lang="zh-CN" altLang="en-US" dirty="0"/>
+          </a:p>
+        </p:txBody>
+      </p:sp>
+      <p:sp>
+        <p:nvSpPr>
+          <p:cNvPr id="10" name="文本框 9"/>
+          <p:cNvSpPr txBox="1"/>
+          <p:nvPr/>
+        </p:nvSpPr>
+        <p:spPr>
+          <a:xfrm>
+            <a:off x="6886603" y="5299517"/>
+            <a:ext cx="1253869" cy="646331"/>
+          </a:xfrm>
+          <a:prstGeom prst="rect">
+            <a:avLst/>
+          </a:prstGeom>
+          <a:noFill/>
+        </p:spPr>
+        <p:txBody>
+          <a:bodyPr wrap="none" rtlCol="0">
+            <a:spAutoFit/>
+          </a:bodyPr>
+          <a:lstStyle/>
+          <a:p>
+            <a:pPr algn="ctr"/>
+            <a:r>
+              <a:rPr lang="en-US" altLang="zh-CN" dirty="0" smtClean="0"/>
+              <a:t>Response</a:t>
+            </a:r>
+          </a:p>
+          <a:p>
+            <a:pPr algn="ctr"/>
+            <a:r>
+              <a:rPr lang="en-US" altLang="zh-CN" dirty="0" smtClean="0"/>
+              <a:t>Interface</a:t>
+            </a:r>
+            <a:endParaRPr lang="zh-CN" altLang="en-US" dirty="0"/>
+          </a:p>
+        </p:txBody>
+      </p:sp>
+      <p:sp>
+        <p:nvSpPr>
+          <p:cNvPr id="11" name="右箭头 10"/>
           <p:cNvSpPr/>
           <p:nvPr/>
         </p:nvSpPr>
         <p:spPr>
           <a:xfrm>
-            <a:off x="9021450" y="3135302"/>
-            <a:ext cx="1470583" cy="1625241"/>
-          </a:xfrm>
-          <a:prstGeom prst="rect">
+            <a:off x="3568317" y="4489870"/>
+            <a:ext cx="437920" cy="484632"/>
+          </a:xfrm>
+          <a:prstGeom prst="rightArrow">
             <a:avLst/>
           </a:prstGeom>
         </p:spPr>
@@ -8112,26 +9004,22 @@
           <a:lstStyle/>
           <a:p>
             <a:pPr algn="ctr"/>
-            <a:r>
-              <a:rPr lang="en-US" altLang="zh-CN" dirty="0" smtClean="0"/>
-              <a:t>Client</a:t>
-            </a:r>
-            <a:endParaRPr lang="zh-CN" altLang="en-US" dirty="0"/>
-          </a:p>
-        </p:txBody>
-      </p:sp>
-      <p:sp>
-        <p:nvSpPr>
-          <p:cNvPr id="8" name="矩形 7"/>
+            <a:endParaRPr lang="zh-CN" altLang="en-US"/>
+          </a:p>
+        </p:txBody>
+      </p:sp>
+      <p:sp>
+        <p:nvSpPr>
+          <p:cNvPr id="12" name="右箭头 11"/>
           <p:cNvSpPr/>
           <p:nvPr/>
         </p:nvSpPr>
         <p:spPr>
           <a:xfrm>
-            <a:off x="1699967" y="3135302"/>
-            <a:ext cx="1470583" cy="1625241"/>
-          </a:xfrm>
-          <a:prstGeom prst="rect">
+            <a:off x="4686048" y="4490014"/>
+            <a:ext cx="437920" cy="484632"/>
+          </a:xfrm>
+          <a:prstGeom prst="rightArrow">
             <a:avLst/>
           </a:prstGeom>
         </p:spPr>
@@ -8154,99 +9042,19 @@
           <a:lstStyle/>
           <a:p>
             <a:pPr algn="ctr"/>
-            <a:r>
-              <a:rPr lang="en-US" altLang="zh-CN" dirty="0" smtClean="0"/>
-              <a:t>Client</a:t>
-            </a:r>
-            <a:endParaRPr lang="zh-CN" altLang="en-US" dirty="0"/>
-          </a:p>
-        </p:txBody>
-      </p:sp>
-      <p:sp>
-        <p:nvSpPr>
-          <p:cNvPr id="9" name="文本框 8"/>
-          <p:cNvSpPr txBox="1"/>
-          <p:nvPr/>
-        </p:nvSpPr>
-        <p:spPr>
-          <a:xfrm>
-            <a:off x="3405936" y="5324691"/>
-            <a:ext cx="1205779" cy="646331"/>
-          </a:xfrm>
-          <a:prstGeom prst="rect">
-            <a:avLst/>
-          </a:prstGeom>
-          <a:noFill/>
-        </p:spPr>
-        <p:txBody>
-          <a:bodyPr wrap="none" rtlCol="0">
-            <a:spAutoFit/>
-          </a:bodyPr>
-          <a:lstStyle/>
-          <a:p>
-            <a:pPr algn="ctr"/>
-            <a:r>
-              <a:rPr lang="en-US" altLang="zh-CN" dirty="0" smtClean="0"/>
-              <a:t>Request</a:t>
-            </a:r>
-          </a:p>
-          <a:p>
-            <a:pPr algn="ctr"/>
-            <a:r>
-              <a:rPr lang="en-US" altLang="zh-CN" dirty="0" smtClean="0"/>
-              <a:t>Interface</a:t>
-            </a:r>
-            <a:endParaRPr lang="zh-CN" altLang="en-US" dirty="0"/>
-          </a:p>
-        </p:txBody>
-      </p:sp>
-      <p:sp>
-        <p:nvSpPr>
-          <p:cNvPr id="10" name="文本框 9"/>
-          <p:cNvSpPr txBox="1"/>
-          <p:nvPr/>
-        </p:nvSpPr>
-        <p:spPr>
-          <a:xfrm>
-            <a:off x="7601954" y="5324691"/>
-            <a:ext cx="1253869" cy="646331"/>
-          </a:xfrm>
-          <a:prstGeom prst="rect">
-            <a:avLst/>
-          </a:prstGeom>
-          <a:noFill/>
-        </p:spPr>
-        <p:txBody>
-          <a:bodyPr wrap="none" rtlCol="0">
-            <a:spAutoFit/>
-          </a:bodyPr>
-          <a:lstStyle/>
-          <a:p>
-            <a:pPr algn="ctr"/>
-            <a:r>
-              <a:rPr lang="en-US" altLang="zh-CN" dirty="0" smtClean="0"/>
-              <a:t>Response</a:t>
-            </a:r>
-          </a:p>
-          <a:p>
-            <a:pPr algn="ctr"/>
-            <a:r>
-              <a:rPr lang="en-US" altLang="zh-CN" dirty="0" smtClean="0"/>
-              <a:t>Interface</a:t>
-            </a:r>
-            <a:endParaRPr lang="zh-CN" altLang="en-US" dirty="0"/>
-          </a:p>
-        </p:txBody>
-      </p:sp>
-      <p:sp>
-        <p:nvSpPr>
-          <p:cNvPr id="11" name="右箭头 10"/>
+            <a:endParaRPr lang="zh-CN" altLang="en-US"/>
+          </a:p>
+        </p:txBody>
+      </p:sp>
+      <p:sp>
+        <p:nvSpPr>
+          <p:cNvPr id="13" name="右箭头 12"/>
           <p:cNvSpPr/>
           <p:nvPr/>
         </p:nvSpPr>
         <p:spPr>
           <a:xfrm>
-            <a:off x="3286241" y="3703477"/>
+            <a:off x="6698667" y="4490014"/>
             <a:ext cx="437920" cy="484632"/>
           </a:xfrm>
           <a:prstGeom prst="rightArrow">
@@ -8278,13 +9086,13 @@
       </p:sp>
       <p:sp>
         <p:nvSpPr>
-          <p:cNvPr id="12" name="右箭头 11"/>
+          <p:cNvPr id="14" name="右箭头 13"/>
           <p:cNvSpPr/>
           <p:nvPr/>
         </p:nvSpPr>
         <p:spPr>
           <a:xfrm>
-            <a:off x="4266629" y="3703477"/>
+            <a:off x="4686048" y="2538367"/>
             <a:ext cx="437920" cy="484632"/>
           </a:xfrm>
           <a:prstGeom prst="rightArrow">
@@ -8316,13 +9124,13 @@
       </p:sp>
       <p:sp>
         <p:nvSpPr>
-          <p:cNvPr id="13" name="右箭头 12"/>
+          <p:cNvPr id="19" name="右箭头 18"/>
           <p:cNvSpPr/>
           <p:nvPr/>
         </p:nvSpPr>
         <p:spPr>
           <a:xfrm>
-            <a:off x="7506305" y="3703477"/>
+            <a:off x="7803474" y="4490014"/>
             <a:ext cx="437920" cy="484632"/>
           </a:xfrm>
           <a:prstGeom prst="rightArrow">
@@ -8354,16 +9162,58 @@
       </p:sp>
       <p:sp>
         <p:nvSpPr>
-          <p:cNvPr id="14" name="右箭头 13"/>
+          <p:cNvPr id="20" name="矩形 19"/>
           <p:cNvSpPr/>
           <p:nvPr/>
         </p:nvSpPr>
         <p:spPr>
           <a:xfrm>
-            <a:off x="8486692" y="3703477"/>
-            <a:ext cx="437920" cy="484632"/>
-          </a:xfrm>
-          <a:prstGeom prst="rightArrow">
+            <a:off x="5298904" y="2274372"/>
+            <a:ext cx="1235854" cy="1012622"/>
+          </a:xfrm>
+          <a:prstGeom prst="rect">
+            <a:avLst/>
+          </a:prstGeom>
+        </p:spPr>
+        <p:style>
+          <a:lnRef idx="0">
+            <a:schemeClr val="accent2"/>
+          </a:lnRef>
+          <a:fillRef idx="3">
+            <a:schemeClr val="accent2"/>
+          </a:fillRef>
+          <a:effectRef idx="3">
+            <a:schemeClr val="accent2"/>
+          </a:effectRef>
+          <a:fontRef idx="minor">
+            <a:schemeClr val="lt1"/>
+          </a:fontRef>
+        </p:style>
+        <p:txBody>
+          <a:bodyPr rtlCol="0" anchor="ctr"/>
+          <a:lstStyle/>
+          <a:p>
+            <a:pPr algn="ctr"/>
+            <a:r>
+              <a:rPr lang="en-US" altLang="zh-CN" dirty="0" smtClean="0"/>
+              <a:t>Live Data</a:t>
+            </a:r>
+            <a:endParaRPr lang="zh-CN" altLang="en-US" dirty="0"/>
+          </a:p>
+        </p:txBody>
+      </p:sp>
+      <p:sp>
+        <p:nvSpPr>
+          <p:cNvPr id="21" name="矩形 20"/>
+          <p:cNvSpPr/>
+          <p:nvPr/>
+        </p:nvSpPr>
+        <p:spPr>
+          <a:xfrm>
+            <a:off x="8414434" y="4226019"/>
+            <a:ext cx="1294401" cy="1012622"/>
+          </a:xfrm>
+          <a:prstGeom prst="rect">
             <a:avLst/>
           </a:prstGeom>
         </p:spPr>
@@ -8386,34 +9236,38 @@
           <a:lstStyle/>
           <a:p>
             <a:pPr algn="ctr"/>
-            <a:endParaRPr lang="zh-CN" altLang="en-US"/>
-          </a:p>
-        </p:txBody>
-      </p:sp>
-      <p:sp>
-        <p:nvSpPr>
-          <p:cNvPr id="15" name="矩形 14"/>
+            <a:r>
+              <a:rPr lang="en-US" altLang="zh-CN" dirty="0" smtClean="0"/>
+              <a:t>Client</a:t>
+            </a:r>
+            <a:endParaRPr lang="zh-CN" altLang="en-US" dirty="0"/>
+          </a:p>
+        </p:txBody>
+      </p:sp>
+      <p:sp>
+        <p:nvSpPr>
+          <p:cNvPr id="22" name="矩形 21"/>
           <p:cNvSpPr/>
           <p:nvPr/>
         </p:nvSpPr>
         <p:spPr>
           <a:xfrm>
-            <a:off x="3963107" y="2006448"/>
-            <a:ext cx="45719" cy="560448"/>
+            <a:off x="2098980" y="4225875"/>
+            <a:ext cx="1294401" cy="1012622"/>
           </a:xfrm>
           <a:prstGeom prst="rect">
             <a:avLst/>
           </a:prstGeom>
         </p:spPr>
         <p:style>
-          <a:lnRef idx="1">
-            <a:schemeClr val="accent6"/>
+          <a:lnRef idx="0">
+            <a:schemeClr val="accent3"/>
           </a:lnRef>
           <a:fillRef idx="3">
-            <a:schemeClr val="accent6"/>
+            <a:schemeClr val="accent3"/>
           </a:fillRef>
-          <a:effectRef idx="2">
-            <a:schemeClr val="accent6"/>
+          <a:effectRef idx="3">
+            <a:schemeClr val="accent3"/>
           </a:effectRef>
           <a:fontRef idx="minor">
             <a:schemeClr val="lt1"/>
@@ -8424,79 +9278,34 @@
           <a:lstStyle/>
           <a:p>
             <a:pPr algn="ctr"/>
-            <a:endParaRPr lang="zh-CN" altLang="en-US"/>
-          </a:p>
-        </p:txBody>
-      </p:sp>
-      <p:sp>
-        <p:nvSpPr>
-          <p:cNvPr id="16" name="矩形 15"/>
-          <p:cNvSpPr/>
+            <a:r>
+              <a:rPr lang="en-US" altLang="zh-CN" dirty="0" smtClean="0"/>
+              <a:t>Client</a:t>
+            </a:r>
+            <a:endParaRPr lang="zh-CN" altLang="en-US" dirty="0"/>
+          </a:p>
+        </p:txBody>
+      </p:sp>
+      <p:sp>
+        <p:nvSpPr>
+          <p:cNvPr id="23" name="文本框 22"/>
+          <p:cNvSpPr txBox="1"/>
           <p:nvPr/>
         </p:nvSpPr>
         <p:spPr>
           <a:xfrm>
-            <a:off x="8183170" y="2006448"/>
-            <a:ext cx="45719" cy="560448"/>
+            <a:off x="4950219" y="1747147"/>
+            <a:ext cx="867545" cy="369332"/>
           </a:xfrm>
           <a:prstGeom prst="rect">
             <a:avLst/>
           </a:prstGeom>
-        </p:spPr>
-        <p:style>
-          <a:lnRef idx="1">
-            <a:schemeClr val="accent6"/>
-          </a:lnRef>
-          <a:fillRef idx="3">
-            <a:schemeClr val="accent6"/>
-          </a:fillRef>
-          <a:effectRef idx="2">
-            <a:schemeClr val="accent6"/>
-          </a:effectRef>
-          <a:fontRef idx="minor">
-            <a:schemeClr val="lt1"/>
-          </a:fontRef>
-        </p:style>
-        <p:txBody>
-          <a:bodyPr rtlCol="0" anchor="ctr"/>
-          <a:lstStyle/>
-          <a:p>
-            <a:pPr algn="ctr"/>
-            <a:endParaRPr lang="zh-CN" altLang="en-US"/>
-          </a:p>
-        </p:txBody>
-      </p:sp>
-      <p:sp>
-        <p:nvSpPr>
-          <p:cNvPr id="17" name="左右箭头 16"/>
-          <p:cNvSpPr/>
-          <p:nvPr/>
-        </p:nvSpPr>
-        <p:spPr>
-          <a:xfrm>
-            <a:off x="4081806" y="2006450"/>
-            <a:ext cx="4025246" cy="560446"/>
-          </a:xfrm>
-          <a:prstGeom prst="leftRightArrow">
-            <a:avLst/>
-          </a:prstGeom>
-        </p:spPr>
-        <p:style>
-          <a:lnRef idx="1">
-            <a:schemeClr val="accent6"/>
-          </a:lnRef>
-          <a:fillRef idx="3">
-            <a:schemeClr val="accent6"/>
-          </a:fillRef>
-          <a:effectRef idx="2">
-            <a:schemeClr val="accent6"/>
-          </a:effectRef>
-          <a:fontRef idx="minor">
-            <a:schemeClr val="lt1"/>
-          </a:fontRef>
-        </p:style>
-        <p:txBody>
-          <a:bodyPr rtlCol="0" anchor="ctr"/>
+          <a:noFill/>
+        </p:spPr>
+        <p:txBody>
+          <a:bodyPr wrap="none" rtlCol="0">
+            <a:spAutoFit/>
+          </a:bodyPr>
           <a:lstStyle/>
           <a:p>
             <a:pPr algn="ctr"/>

--- a/Development/Documents/ZionEngine.pptx
+++ b/Development/Documents/ZionEngine.pptx
@@ -1063,14 +1063,35 @@
         </dgm:presLayoutVars>
       </dgm:prSet>
       <dgm:spPr/>
+      <dgm:t>
+        <a:bodyPr/>
+        <a:lstStyle/>
+        <a:p>
+          <a:endParaRPr lang="zh-CN" altLang="en-US"/>
+        </a:p>
+      </dgm:t>
     </dgm:pt>
     <dgm:pt modelId="{89986436-FEA1-43AB-B40D-E202FAB590F7}" type="pres">
       <dgm:prSet presAssocID="{626602CC-9111-487C-97A0-86D1844E6C57}" presName="centerShape" presStyleLbl="node0" presStyleIdx="0" presStyleCnt="1"/>
       <dgm:spPr/>
+      <dgm:t>
+        <a:bodyPr/>
+        <a:lstStyle/>
+        <a:p>
+          <a:endParaRPr lang="zh-CN" altLang="en-US"/>
+        </a:p>
+      </dgm:t>
     </dgm:pt>
     <dgm:pt modelId="{35E9A4E7-AFEC-4E78-8C39-CC8527E0347E}" type="pres">
       <dgm:prSet presAssocID="{4998DA0F-BF34-4D47-9F34-F2CE5B7D9F4A}" presName="parTrans" presStyleLbl="bgSibTrans2D1" presStyleIdx="0" presStyleCnt="3"/>
       <dgm:spPr/>
+      <dgm:t>
+        <a:bodyPr/>
+        <a:lstStyle/>
+        <a:p>
+          <a:endParaRPr lang="zh-CN" altLang="en-US"/>
+        </a:p>
+      </dgm:t>
     </dgm:pt>
     <dgm:pt modelId="{F5AFC2A8-2C14-4039-8473-77D89A06B5E5}" type="pres">
       <dgm:prSet presAssocID="{86DAB89B-4ED3-49B0-99A6-44C2AF274618}" presName="node" presStyleLbl="node1" presStyleIdx="0" presStyleCnt="3">
@@ -1079,10 +1100,24 @@
         </dgm:presLayoutVars>
       </dgm:prSet>
       <dgm:spPr/>
+      <dgm:t>
+        <a:bodyPr/>
+        <a:lstStyle/>
+        <a:p>
+          <a:endParaRPr lang="zh-CN" altLang="en-US"/>
+        </a:p>
+      </dgm:t>
     </dgm:pt>
     <dgm:pt modelId="{7A030CDB-9544-4D0B-8223-150CFF0A4A30}" type="pres">
       <dgm:prSet presAssocID="{4DEFB4E3-DA77-48D9-B2AD-83E1F4246E02}" presName="parTrans" presStyleLbl="bgSibTrans2D1" presStyleIdx="1" presStyleCnt="3"/>
       <dgm:spPr/>
+      <dgm:t>
+        <a:bodyPr/>
+        <a:lstStyle/>
+        <a:p>
+          <a:endParaRPr lang="zh-CN" altLang="en-US"/>
+        </a:p>
+      </dgm:t>
     </dgm:pt>
     <dgm:pt modelId="{33BCD56F-9C71-4262-B5DA-A473B3A86791}" type="pres">
       <dgm:prSet presAssocID="{98B876A4-F421-4E74-8E2C-DDC863D10D5B}" presName="node" presStyleLbl="node1" presStyleIdx="1" presStyleCnt="3">
@@ -1091,10 +1126,24 @@
         </dgm:presLayoutVars>
       </dgm:prSet>
       <dgm:spPr/>
+      <dgm:t>
+        <a:bodyPr/>
+        <a:lstStyle/>
+        <a:p>
+          <a:endParaRPr lang="zh-CN" altLang="en-US"/>
+        </a:p>
+      </dgm:t>
     </dgm:pt>
     <dgm:pt modelId="{B84BBDA2-4E2F-46D3-8679-D5DD8810EA5D}" type="pres">
       <dgm:prSet presAssocID="{783EB2F3-9AD1-406F-A20E-5D3FABD35667}" presName="parTrans" presStyleLbl="bgSibTrans2D1" presStyleIdx="2" presStyleCnt="3"/>
       <dgm:spPr/>
+      <dgm:t>
+        <a:bodyPr/>
+        <a:lstStyle/>
+        <a:p>
+          <a:endParaRPr lang="zh-CN" altLang="en-US"/>
+        </a:p>
+      </dgm:t>
     </dgm:pt>
     <dgm:pt modelId="{D4CD2CA9-096D-40E0-A388-795EE887B7B9}" type="pres">
       <dgm:prSet presAssocID="{90D425EB-7C3A-45AA-A243-DC55453210A7}" presName="node" presStyleLbl="node1" presStyleIdx="2" presStyleCnt="3">
@@ -3167,7 +3216,7 @@
           <a:p>
             <a:fld id="{A77DD275-2B8E-410D-A7C7-939BC2C1F376}" type="datetimeFigureOut">
               <a:rPr lang="zh-CN" altLang="en-US" smtClean="0"/>
-              <a:t>2014/3/7</a:t>
+              <a:t>2014/3/10</a:t>
             </a:fld>
             <a:endParaRPr lang="zh-CN" altLang="en-US"/>
           </a:p>
@@ -3877,7 +3926,7 @@
           <a:p>
             <a:fld id="{76EB64E7-0F4C-4BF2-B5BB-B7A8A5E230DE}" type="datetimeFigureOut">
               <a:rPr lang="zh-CN" altLang="en-US" smtClean="0"/>
-              <a:t>2014/3/7</a:t>
+              <a:t>2014/3/10</a:t>
             </a:fld>
             <a:endParaRPr lang="zh-CN" altLang="en-US"/>
           </a:p>
@@ -4152,7 +4201,7 @@
           <a:p>
             <a:fld id="{76EB64E7-0F4C-4BF2-B5BB-B7A8A5E230DE}" type="datetimeFigureOut">
               <a:rPr lang="zh-CN" altLang="en-US" smtClean="0"/>
-              <a:t>2014/3/7</a:t>
+              <a:t>2014/3/10</a:t>
             </a:fld>
             <a:endParaRPr lang="zh-CN" altLang="en-US"/>
           </a:p>
@@ -4346,7 +4395,7 @@
           <a:p>
             <a:fld id="{76EB64E7-0F4C-4BF2-B5BB-B7A8A5E230DE}" type="datetimeFigureOut">
               <a:rPr lang="zh-CN" altLang="en-US" smtClean="0"/>
-              <a:t>2014/3/7</a:t>
+              <a:t>2014/3/10</a:t>
             </a:fld>
             <a:endParaRPr lang="zh-CN" altLang="en-US"/>
           </a:p>
@@ -4619,7 +4668,7 @@
           <a:p>
             <a:fld id="{76EB64E7-0F4C-4BF2-B5BB-B7A8A5E230DE}" type="datetimeFigureOut">
               <a:rPr lang="zh-CN" altLang="en-US" smtClean="0"/>
-              <a:t>2014/3/7</a:t>
+              <a:t>2014/3/10</a:t>
             </a:fld>
             <a:endParaRPr lang="zh-CN" altLang="en-US"/>
           </a:p>
@@ -4960,7 +5009,7 @@
           <a:p>
             <a:fld id="{76EB64E7-0F4C-4BF2-B5BB-B7A8A5E230DE}" type="datetimeFigureOut">
               <a:rPr lang="zh-CN" altLang="en-US" smtClean="0"/>
-              <a:t>2014/3/7</a:t>
+              <a:t>2014/3/10</a:t>
             </a:fld>
             <a:endParaRPr lang="zh-CN" altLang="en-US"/>
           </a:p>
@@ -5583,7 +5632,7 @@
           <a:p>
             <a:fld id="{76EB64E7-0F4C-4BF2-B5BB-B7A8A5E230DE}" type="datetimeFigureOut">
               <a:rPr lang="zh-CN" altLang="en-US" smtClean="0"/>
-              <a:t>2014/3/7</a:t>
+              <a:t>2014/3/10</a:t>
             </a:fld>
             <a:endParaRPr lang="zh-CN" altLang="en-US"/>
           </a:p>
@@ -6443,7 +6492,7 @@
           <a:p>
             <a:fld id="{76EB64E7-0F4C-4BF2-B5BB-B7A8A5E230DE}" type="datetimeFigureOut">
               <a:rPr lang="zh-CN" altLang="en-US" smtClean="0"/>
-              <a:t>2014/3/7</a:t>
+              <a:t>2014/3/10</a:t>
             </a:fld>
             <a:endParaRPr lang="zh-CN" altLang="en-US"/>
           </a:p>
@@ -6613,7 +6662,7 @@
           <a:p>
             <a:fld id="{76EB64E7-0F4C-4BF2-B5BB-B7A8A5E230DE}" type="datetimeFigureOut">
               <a:rPr lang="zh-CN" altLang="en-US" smtClean="0"/>
-              <a:t>2014/3/7</a:t>
+              <a:t>2014/3/10</a:t>
             </a:fld>
             <a:endParaRPr lang="zh-CN" altLang="en-US"/>
           </a:p>
@@ -6793,7 +6842,7 @@
           <a:p>
             <a:fld id="{76EB64E7-0F4C-4BF2-B5BB-B7A8A5E230DE}" type="datetimeFigureOut">
               <a:rPr lang="zh-CN" altLang="en-US" smtClean="0"/>
-              <a:t>2014/3/7</a:t>
+              <a:t>2014/3/10</a:t>
             </a:fld>
             <a:endParaRPr lang="zh-CN" altLang="en-US"/>
           </a:p>
@@ -6963,7 +7012,7 @@
           <a:p>
             <a:fld id="{76EB64E7-0F4C-4BF2-B5BB-B7A8A5E230DE}" type="datetimeFigureOut">
               <a:rPr lang="zh-CN" altLang="en-US" smtClean="0"/>
-              <a:t>2014/3/7</a:t>
+              <a:t>2014/3/10</a:t>
             </a:fld>
             <a:endParaRPr lang="zh-CN" altLang="en-US"/>
           </a:p>
@@ -7210,7 +7259,7 @@
           <a:p>
             <a:fld id="{76EB64E7-0F4C-4BF2-B5BB-B7A8A5E230DE}" type="datetimeFigureOut">
               <a:rPr lang="zh-CN" altLang="en-US" smtClean="0"/>
-              <a:t>2014/3/7</a:t>
+              <a:t>2014/3/10</a:t>
             </a:fld>
             <a:endParaRPr lang="zh-CN" altLang="en-US"/>
           </a:p>
@@ -7502,7 +7551,7 @@
           <a:p>
             <a:fld id="{76EB64E7-0F4C-4BF2-B5BB-B7A8A5E230DE}" type="datetimeFigureOut">
               <a:rPr lang="zh-CN" altLang="en-US" smtClean="0"/>
-              <a:t>2014/3/7</a:t>
+              <a:t>2014/3/10</a:t>
             </a:fld>
             <a:endParaRPr lang="zh-CN" altLang="en-US"/>
           </a:p>
@@ -7946,7 +7995,7 @@
           <a:p>
             <a:fld id="{76EB64E7-0F4C-4BF2-B5BB-B7A8A5E230DE}" type="datetimeFigureOut">
               <a:rPr lang="zh-CN" altLang="en-US" smtClean="0"/>
-              <a:t>2014/3/7</a:t>
+              <a:t>2014/3/10</a:t>
             </a:fld>
             <a:endParaRPr lang="zh-CN" altLang="en-US"/>
           </a:p>
@@ -8064,7 +8113,7 @@
           <a:p>
             <a:fld id="{76EB64E7-0F4C-4BF2-B5BB-B7A8A5E230DE}" type="datetimeFigureOut">
               <a:rPr lang="zh-CN" altLang="en-US" smtClean="0"/>
-              <a:t>2014/3/7</a:t>
+              <a:t>2014/3/10</a:t>
             </a:fld>
             <a:endParaRPr lang="zh-CN" altLang="en-US"/>
           </a:p>
@@ -8159,7 +8208,7 @@
           <a:p>
             <a:fld id="{76EB64E7-0F4C-4BF2-B5BB-B7A8A5E230DE}" type="datetimeFigureOut">
               <a:rPr lang="zh-CN" altLang="en-US" smtClean="0"/>
-              <a:t>2014/3/7</a:t>
+              <a:t>2014/3/10</a:t>
             </a:fld>
             <a:endParaRPr lang="zh-CN" altLang="en-US"/>
           </a:p>
@@ -8438,7 +8487,7 @@
           <a:p>
             <a:fld id="{76EB64E7-0F4C-4BF2-B5BB-B7A8A5E230DE}" type="datetimeFigureOut">
               <a:rPr lang="zh-CN" altLang="en-US" smtClean="0"/>
-              <a:t>2014/3/7</a:t>
+              <a:t>2014/3/10</a:t>
             </a:fld>
             <a:endParaRPr lang="zh-CN" altLang="en-US"/>
           </a:p>
@@ -8713,7 +8762,7 @@
           <a:p>
             <a:fld id="{76EB64E7-0F4C-4BF2-B5BB-B7A8A5E230DE}" type="datetimeFigureOut">
               <a:rPr lang="zh-CN" altLang="en-US" smtClean="0"/>
-              <a:t>2014/3/7</a:t>
+              <a:t>2014/3/10</a:t>
             </a:fld>
             <a:endParaRPr lang="zh-CN" altLang="en-US"/>
           </a:p>
@@ -9142,7 +9191,7 @@
           <a:p>
             <a:fld id="{76EB64E7-0F4C-4BF2-B5BB-B7A8A5E230DE}" type="datetimeFigureOut">
               <a:rPr lang="zh-CN" altLang="en-US" smtClean="0"/>
-              <a:t>2014/3/7</a:t>
+              <a:t>2014/3/10</a:t>
             </a:fld>
             <a:endParaRPr lang="zh-CN" altLang="en-US"/>
           </a:p>
@@ -9710,11 +9759,7 @@
           <a:p>
             <a:r>
               <a:rPr lang="zh-CN" altLang="en-US" dirty="0" smtClean="0"/>
-              <a:t>功能</a:t>
-            </a:r>
-            <a:r>
-              <a:rPr lang="zh-CN" altLang="en-US" dirty="0" smtClean="0"/>
-              <a:t>介绍</a:t>
+              <a:t>功能介绍</a:t>
             </a:r>
             <a:endParaRPr lang="zh-CN" altLang="en-US" dirty="0"/>
           </a:p>
@@ -11477,15 +11522,7 @@
             </a:r>
             <a:r>
               <a:rPr lang="zh-CN" altLang="en-US" dirty="0" smtClean="0"/>
-              <a:t>对于</a:t>
-            </a:r>
-            <a:r>
-              <a:rPr lang="zh-CN" altLang="en-US" dirty="0" smtClean="0"/>
-              <a:t>服务器</a:t>
-            </a:r>
-            <a:r>
-              <a:rPr lang="zh-CN" altLang="en-US" dirty="0" smtClean="0"/>
-              <a:t>性能的极致追求</a:t>
+              <a:t>对于服务器性能的极致追求</a:t>
             </a:r>
             <a:endParaRPr lang="en-US" altLang="zh-CN" dirty="0" smtClean="0"/>
           </a:p>
@@ -12864,43 +12901,28 @@
             </a:r>
             <a:r>
               <a:rPr lang="zh-CN" altLang="en-US" dirty="0" smtClean="0"/>
-              <a:t>的性能</a:t>
-            </a:r>
+              <a:t>的性能不足，恶劣的设计可以导致各种头痛的问题</a:t>
+            </a:r>
+            <a:endParaRPr lang="en-US" altLang="zh-CN" dirty="0" smtClean="0"/>
+          </a:p>
+          <a:p>
             <a:r>
               <a:rPr lang="zh-CN" altLang="en-US" dirty="0" smtClean="0"/>
-              <a:t>不足，恶劣的设计可以导致各种头痛的问题</a:t>
+              <a:t>移动设备上的网络状况不良，会导致游戏体验变差</a:t>
             </a:r>
             <a:endParaRPr lang="en-US" altLang="zh-CN" dirty="0" smtClean="0"/>
           </a:p>
           <a:p>
+            <a:endParaRPr lang="en-US" altLang="zh-CN" dirty="0"/>
+          </a:p>
+          <a:p>
             <a:r>
               <a:rPr lang="zh-CN" altLang="en-US" dirty="0" smtClean="0"/>
-              <a:t>移动设备上的网络状况不良，</a:t>
+              <a:t>有没有更好解决方案</a:t>
             </a:r>
             <a:r>
               <a:rPr lang="zh-CN" altLang="en-US" dirty="0" smtClean="0"/>
-              <a:t>会导致</a:t>
-            </a:r>
-            <a:r>
-              <a:rPr lang="zh-CN" altLang="en-US" dirty="0" smtClean="0"/>
-              <a:t>游戏体验变差</a:t>
-            </a:r>
-            <a:endParaRPr lang="en-US" altLang="zh-CN" dirty="0" smtClean="0"/>
-          </a:p>
-          <a:p>
-            <a:endParaRPr lang="en-US" altLang="zh-CN" dirty="0"/>
-          </a:p>
-          <a:p>
-            <a:r>
-              <a:rPr lang="zh-CN" altLang="en-US" dirty="0" smtClean="0"/>
-              <a:t>有没有更好解决方案？</a:t>
-            </a:r>
-            <a:endParaRPr lang="en-US" altLang="zh-CN" dirty="0" smtClean="0"/>
-          </a:p>
-          <a:p>
-            <a:r>
-              <a:rPr lang="zh-CN" altLang="en-US" dirty="0" smtClean="0"/>
-              <a:t>重新理解客户端和服务端。把服务端和客户端从接口调用变成数据同步。</a:t>
+              <a:t>？</a:t>
             </a:r>
             <a:endParaRPr lang="zh-CN" altLang="en-US" dirty="0"/>
           </a:p>
